--- a/other/teasCoffees.pptx
+++ b/other/teasCoffees.pptx
@@ -104,6 +104,11 @@
       </a:defRPr>
     </a:lvl9pPr>
   </p:defaultTextStyle>
+  <p:extLst>
+    <p:ext uri="{EFAFB233-063F-42B5-8137-9DF3F51BA10A}">
+      <p15:sldGuideLst xmlns:p15="http://schemas.microsoft.com/office/powerpoint/2012/main"/>
+    </p:ext>
+  </p:extLst>
 </p:presentation>
 </file>
 
@@ -238,7 +243,7 @@
           <a:p>
             <a:fld id="{B7AD0678-6B9E-B645-B88D-E7C117522504}" type="datetimeFigureOut">
               <a:rPr lang="en-US" smtClean="0"/>
-              <a:t>7/10/19</a:t>
+              <a:t>8/25/19</a:t>
             </a:fld>
             <a:endParaRPr lang="en-US"/>
           </a:p>
@@ -403,7 +408,7 @@
           <a:p>
             <a:fld id="{B7AD0678-6B9E-B645-B88D-E7C117522504}" type="datetimeFigureOut">
               <a:rPr lang="en-US" smtClean="0"/>
-              <a:t>7/10/19</a:t>
+              <a:t>8/25/19</a:t>
             </a:fld>
             <a:endParaRPr lang="en-US"/>
           </a:p>
@@ -578,7 +583,7 @@
           <a:p>
             <a:fld id="{B7AD0678-6B9E-B645-B88D-E7C117522504}" type="datetimeFigureOut">
               <a:rPr lang="en-US" smtClean="0"/>
-              <a:t>7/10/19</a:t>
+              <a:t>8/25/19</a:t>
             </a:fld>
             <a:endParaRPr lang="en-US"/>
           </a:p>
@@ -743,7 +748,7 @@
           <a:p>
             <a:fld id="{B7AD0678-6B9E-B645-B88D-E7C117522504}" type="datetimeFigureOut">
               <a:rPr lang="en-US" smtClean="0"/>
-              <a:t>7/10/19</a:t>
+              <a:t>8/25/19</a:t>
             </a:fld>
             <a:endParaRPr lang="en-US"/>
           </a:p>
@@ -982,7 +987,7 @@
           <a:p>
             <a:fld id="{B7AD0678-6B9E-B645-B88D-E7C117522504}" type="datetimeFigureOut">
               <a:rPr lang="en-US" smtClean="0"/>
-              <a:t>7/10/19</a:t>
+              <a:t>8/25/19</a:t>
             </a:fld>
             <a:endParaRPr lang="en-US"/>
           </a:p>
@@ -1209,7 +1214,7 @@
           <a:p>
             <a:fld id="{B7AD0678-6B9E-B645-B88D-E7C117522504}" type="datetimeFigureOut">
               <a:rPr lang="en-US" smtClean="0"/>
-              <a:t>7/10/19</a:t>
+              <a:t>8/25/19</a:t>
             </a:fld>
             <a:endParaRPr lang="en-US"/>
           </a:p>
@@ -1571,7 +1576,7 @@
           <a:p>
             <a:fld id="{B7AD0678-6B9E-B645-B88D-E7C117522504}" type="datetimeFigureOut">
               <a:rPr lang="en-US" smtClean="0"/>
-              <a:t>7/10/19</a:t>
+              <a:t>8/25/19</a:t>
             </a:fld>
             <a:endParaRPr lang="en-US"/>
           </a:p>
@@ -1684,7 +1689,7 @@
           <a:p>
             <a:fld id="{B7AD0678-6B9E-B645-B88D-E7C117522504}" type="datetimeFigureOut">
               <a:rPr lang="en-US" smtClean="0"/>
-              <a:t>7/10/19</a:t>
+              <a:t>8/25/19</a:t>
             </a:fld>
             <a:endParaRPr lang="en-US"/>
           </a:p>
@@ -1774,7 +1779,7 @@
           <a:p>
             <a:fld id="{B7AD0678-6B9E-B645-B88D-E7C117522504}" type="datetimeFigureOut">
               <a:rPr lang="en-US" smtClean="0"/>
-              <a:t>7/10/19</a:t>
+              <a:t>8/25/19</a:t>
             </a:fld>
             <a:endParaRPr lang="en-US"/>
           </a:p>
@@ -2046,7 +2051,7 @@
           <a:p>
             <a:fld id="{B7AD0678-6B9E-B645-B88D-E7C117522504}" type="datetimeFigureOut">
               <a:rPr lang="en-US" smtClean="0"/>
-              <a:t>7/10/19</a:t>
+              <a:t>8/25/19</a:t>
             </a:fld>
             <a:endParaRPr lang="en-US"/>
           </a:p>
@@ -2298,7 +2303,7 @@
           <a:p>
             <a:fld id="{B7AD0678-6B9E-B645-B88D-E7C117522504}" type="datetimeFigureOut">
               <a:rPr lang="en-US" smtClean="0"/>
-              <a:t>7/10/19</a:t>
+              <a:t>8/25/19</a:t>
             </a:fld>
             <a:endParaRPr lang="en-US"/>
           </a:p>
@@ -2506,7 +2511,7 @@
           <a:p>
             <a:fld id="{B7AD0678-6B9E-B645-B88D-E7C117522504}" type="datetimeFigureOut">
               <a:rPr lang="en-US" smtClean="0"/>
-              <a:t>7/10/19</a:t>
+              <a:t>8/25/19</a:t>
             </a:fld>
             <a:endParaRPr lang="en-US"/>
           </a:p>
@@ -3015,7 +3020,19 @@
             <a:pPr algn="ctr"/>
             <a:r>
               <a:rPr lang="en-US" sz="1200" dirty="0" smtClean="0"/>
-              <a:t>Large pot - £10 </a:t>
+              <a:t>Large pot - </a:t>
+            </a:r>
+            <a:r>
+              <a:rPr lang="en-US" sz="1200" dirty="0" smtClean="0"/>
+              <a:t>£</a:t>
+            </a:r>
+            <a:r>
+              <a:rPr lang="en-US" sz="1200" dirty="0"/>
+              <a:t>8</a:t>
+            </a:r>
+            <a:r>
+              <a:rPr lang="en-US" sz="1200" dirty="0" smtClean="0"/>
+              <a:t> </a:t>
             </a:r>
             <a:r>
               <a:rPr lang="en-US" sz="1600" dirty="0" smtClean="0"/>
@@ -3034,7 +3051,15 @@
                 <a:ea typeface="Apple Chancery" charset="0"/>
                 <a:cs typeface="Apple Chancery" charset="0"/>
               </a:rPr>
-              <a:t>Regular tea - £2</a:t>
+              <a:t>English Breakfast tea </a:t>
+            </a:r>
+            <a:r>
+              <a:rPr lang="en-US" sz="1600" b="1" dirty="0" smtClean="0">
+                <a:latin typeface="Apple Chancery" charset="0"/>
+                <a:ea typeface="Apple Chancery" charset="0"/>
+                <a:cs typeface="Apple Chancery" charset="0"/>
+              </a:rPr>
+              <a:t>- £2</a:t>
             </a:r>
           </a:p>
           <a:p>
@@ -3047,11 +3072,6 @@
               </a:rPr>
               <a:t>Earl grey - £2 </a:t>
             </a:r>
-            <a:endParaRPr lang="en-US" sz="1600" b="1" dirty="0" smtClean="0">
-              <a:latin typeface="Apple Chancery" charset="0"/>
-              <a:ea typeface="Apple Chancery" charset="0"/>
-              <a:cs typeface="Apple Chancery" charset="0"/>
-            </a:endParaRPr>
           </a:p>
           <a:p>
             <a:pPr algn="ctr"/>
